--- a/os/WiSync.pptx
+++ b/os/WiSync.pptx
@@ -9,8 +9,8 @@
     <p:sldId id="257" r:id="rId3"/>
     <p:sldId id="258" r:id="rId4"/>
     <p:sldId id="263" r:id="rId5"/>
-    <p:sldId id="259" r:id="rId6"/>
-    <p:sldId id="261" r:id="rId7"/>
+    <p:sldId id="268" r:id="rId6"/>
+    <p:sldId id="259" r:id="rId7"/>
     <p:sldId id="260" r:id="rId8"/>
     <p:sldId id="262" r:id="rId9"/>
     <p:sldId id="264" r:id="rId10"/>
@@ -299,7 +299,7 @@
           <a:p>
             <a:fld id="{394B165F-ABA9-364D-B417-0E14ABCBAFB4}" type="datetimeFigureOut">
               <a:rPr kumimoji="1" lang="zh-CN" altLang="en-US" smtClean="0"/>
-              <a:t>4/11/16</a:t>
+              <a:t>4/12/16</a:t>
             </a:fld>
             <a:endParaRPr kumimoji="1" lang="zh-CN" altLang="en-US"/>
           </a:p>
@@ -469,7 +469,7 @@
           <a:p>
             <a:fld id="{394B165F-ABA9-364D-B417-0E14ABCBAFB4}" type="datetimeFigureOut">
               <a:rPr kumimoji="1" lang="zh-CN" altLang="en-US" smtClean="0"/>
-              <a:t>4/11/16</a:t>
+              <a:t>4/12/16</a:t>
             </a:fld>
             <a:endParaRPr kumimoji="1" lang="zh-CN" altLang="en-US"/>
           </a:p>
@@ -649,7 +649,7 @@
           <a:p>
             <a:fld id="{394B165F-ABA9-364D-B417-0E14ABCBAFB4}" type="datetimeFigureOut">
               <a:rPr kumimoji="1" lang="zh-CN" altLang="en-US" smtClean="0"/>
-              <a:t>4/11/16</a:t>
+              <a:t>4/12/16</a:t>
             </a:fld>
             <a:endParaRPr kumimoji="1" lang="zh-CN" altLang="en-US"/>
           </a:p>
@@ -819,7 +819,7 @@
           <a:p>
             <a:fld id="{394B165F-ABA9-364D-B417-0E14ABCBAFB4}" type="datetimeFigureOut">
               <a:rPr kumimoji="1" lang="zh-CN" altLang="en-US" smtClean="0"/>
-              <a:t>4/11/16</a:t>
+              <a:t>4/12/16</a:t>
             </a:fld>
             <a:endParaRPr kumimoji="1" lang="zh-CN" altLang="en-US"/>
           </a:p>
@@ -1065,7 +1065,7 @@
           <a:p>
             <a:fld id="{394B165F-ABA9-364D-B417-0E14ABCBAFB4}" type="datetimeFigureOut">
               <a:rPr kumimoji="1" lang="zh-CN" altLang="en-US" smtClean="0"/>
-              <a:t>4/11/16</a:t>
+              <a:t>4/12/16</a:t>
             </a:fld>
             <a:endParaRPr kumimoji="1" lang="zh-CN" altLang="en-US"/>
           </a:p>
@@ -1353,7 +1353,7 @@
           <a:p>
             <a:fld id="{394B165F-ABA9-364D-B417-0E14ABCBAFB4}" type="datetimeFigureOut">
               <a:rPr kumimoji="1" lang="zh-CN" altLang="en-US" smtClean="0"/>
-              <a:t>4/11/16</a:t>
+              <a:t>4/12/16</a:t>
             </a:fld>
             <a:endParaRPr kumimoji="1" lang="zh-CN" altLang="en-US"/>
           </a:p>
@@ -1775,7 +1775,7 @@
           <a:p>
             <a:fld id="{394B165F-ABA9-364D-B417-0E14ABCBAFB4}" type="datetimeFigureOut">
               <a:rPr kumimoji="1" lang="zh-CN" altLang="en-US" smtClean="0"/>
-              <a:t>4/11/16</a:t>
+              <a:t>4/12/16</a:t>
             </a:fld>
             <a:endParaRPr kumimoji="1" lang="zh-CN" altLang="en-US"/>
           </a:p>
@@ -1893,7 +1893,7 @@
           <a:p>
             <a:fld id="{394B165F-ABA9-364D-B417-0E14ABCBAFB4}" type="datetimeFigureOut">
               <a:rPr kumimoji="1" lang="zh-CN" altLang="en-US" smtClean="0"/>
-              <a:t>4/11/16</a:t>
+              <a:t>4/12/16</a:t>
             </a:fld>
             <a:endParaRPr kumimoji="1" lang="zh-CN" altLang="en-US"/>
           </a:p>
@@ -1988,7 +1988,7 @@
           <a:p>
             <a:fld id="{394B165F-ABA9-364D-B417-0E14ABCBAFB4}" type="datetimeFigureOut">
               <a:rPr kumimoji="1" lang="zh-CN" altLang="en-US" smtClean="0"/>
-              <a:t>4/11/16</a:t>
+              <a:t>4/12/16</a:t>
             </a:fld>
             <a:endParaRPr kumimoji="1" lang="zh-CN" altLang="en-US"/>
           </a:p>
@@ -2265,7 +2265,7 @@
           <a:p>
             <a:fld id="{394B165F-ABA9-364D-B417-0E14ABCBAFB4}" type="datetimeFigureOut">
               <a:rPr kumimoji="1" lang="zh-CN" altLang="en-US" smtClean="0"/>
-              <a:t>4/11/16</a:t>
+              <a:t>4/12/16</a:t>
             </a:fld>
             <a:endParaRPr kumimoji="1" lang="zh-CN" altLang="en-US"/>
           </a:p>
@@ -2518,7 +2518,7 @@
           <a:p>
             <a:fld id="{394B165F-ABA9-364D-B417-0E14ABCBAFB4}" type="datetimeFigureOut">
               <a:rPr kumimoji="1" lang="zh-CN" altLang="en-US" smtClean="0"/>
-              <a:t>4/11/16</a:t>
+              <a:t>4/12/16</a:t>
             </a:fld>
             <a:endParaRPr kumimoji="1" lang="zh-CN" altLang="en-US"/>
           </a:p>
@@ -2731,7 +2731,7 @@
           <a:p>
             <a:fld id="{394B165F-ABA9-364D-B417-0E14ABCBAFB4}" type="datetimeFigureOut">
               <a:rPr kumimoji="1" lang="zh-CN" altLang="en-US" smtClean="0"/>
-              <a:t>4/11/16</a:t>
+              <a:t>4/12/16</a:t>
             </a:fld>
             <a:endParaRPr kumimoji="1" lang="zh-CN" altLang="en-US"/>
           </a:p>
@@ -3238,11 +3238,7 @@
           <a:p>
             <a:r>
               <a:rPr kumimoji="1" lang="en-US" altLang="zh-CN" dirty="0" smtClean="0"/>
-              <a:t>CAS</a:t>
-            </a:r>
-            <a:r>
-              <a:rPr kumimoji="1" lang="en-US" altLang="zh-CN" dirty="0" smtClean="0"/>
-              <a:t> Throughput</a:t>
+              <a:t>CAS Throughput</a:t>
             </a:r>
             <a:endParaRPr kumimoji="1" lang="zh-CN" altLang="en-US" dirty="0"/>
           </a:p>
@@ -3326,11 +3322,7 @@
             <a:pPr algn="l"/>
             <a:r>
               <a:rPr kumimoji="1" lang="en-US" altLang="zh-CN" dirty="0" smtClean="0"/>
-              <a:t>Speedup</a:t>
-            </a:r>
-            <a:r>
-              <a:rPr kumimoji="1" lang="en-US" altLang="zh-CN" dirty="0" smtClean="0"/>
-              <a:t> of Application</a:t>
+              <a:t>Speedup of Application</a:t>
             </a:r>
             <a:endParaRPr kumimoji="1" lang="zh-CN" altLang="en-US" dirty="0"/>
           </a:p>
@@ -3370,6 +3362,13 @@
   <p:clrMapOvr>
     <a:masterClrMapping/>
   </p:clrMapOvr>
+  <p:timing>
+    <p:tnLst>
+      <p:par>
+        <p:cTn xmlns:p14="http://schemas.microsoft.com/office/powerpoint/2010/main" id="1" dur="indefinite" restart="never" nodeType="tmRoot"/>
+      </p:par>
+    </p:tnLst>
+  </p:timing>
 </p:sld>
 </file>
 
@@ -3430,11 +3429,7 @@
           <a:p>
             <a:r>
               <a:rPr kumimoji="1" lang="en-US" altLang="zh-CN" dirty="0" smtClean="0"/>
-              <a:t>Outperform</a:t>
-            </a:r>
-            <a:r>
-              <a:rPr kumimoji="1" lang="en-US" altLang="zh-CN" dirty="0" smtClean="0"/>
-              <a:t> baseline for an order of magnitude</a:t>
+              <a:t>Outperform baseline for an order of magnitude</a:t>
             </a:r>
           </a:p>
           <a:p>
@@ -3913,11 +3908,7 @@
             <a:pPr lvl="1"/>
             <a:r>
               <a:rPr kumimoji="1" lang="en-US" altLang="zh-CN" dirty="0" smtClean="0"/>
-              <a:t>Bandwidth </a:t>
-            </a:r>
-            <a:r>
-              <a:rPr kumimoji="1" lang="en-US" altLang="zh-CN" dirty="0" smtClean="0"/>
-              <a:t>up, area/power up</a:t>
+              <a:t>Bandwidth up, area/power up</a:t>
             </a:r>
           </a:p>
           <a:p>
@@ -4027,11 +4018,7 @@
             <a:pPr lvl="1"/>
             <a:r>
               <a:rPr kumimoji="1" lang="en-US" altLang="zh-CN" dirty="0" smtClean="0"/>
-              <a:t>22</a:t>
-            </a:r>
-            <a:r>
-              <a:rPr kumimoji="1" lang="en-US" altLang="zh-CN" dirty="0" smtClean="0"/>
-              <a:t>nm</a:t>
+              <a:t>22nm</a:t>
             </a:r>
             <a:r>
               <a:rPr kumimoji="1" lang="zh-CN" altLang="en-US" dirty="0" smtClean="0"/>
@@ -4071,15 +4058,7 @@
             </a:r>
             <a:r>
               <a:rPr kumimoji="1" lang="en-US" altLang="zh-CN" dirty="0" smtClean="0"/>
-              <a:t>0.</a:t>
-            </a:r>
-            <a:r>
-              <a:rPr kumimoji="1" lang="en-US" altLang="zh-CN" dirty="0" smtClean="0"/>
-              <a:t>1</a:t>
-            </a:r>
-            <a:r>
-              <a:rPr kumimoji="1" lang="en-US" altLang="zh-CN" dirty="0" smtClean="0"/>
-              <a:t>mm</a:t>
+              <a:t>0.1mm</a:t>
             </a:r>
             <a:r>
               <a:rPr kumimoji="1" lang="en-US" altLang="zh-CN" baseline="30000" dirty="0" smtClean="0"/>
@@ -4091,11 +4070,7 @@
             </a:r>
             <a:r>
               <a:rPr kumimoji="1" lang="en-US" altLang="zh-CN" dirty="0" smtClean="0"/>
-              <a:t>16</a:t>
-            </a:r>
-            <a:r>
-              <a:rPr kumimoji="1" lang="en-US" altLang="zh-CN" dirty="0" smtClean="0"/>
-              <a:t>mW</a:t>
+              <a:t>16mW</a:t>
             </a:r>
             <a:r>
               <a:rPr kumimoji="1" lang="zh-CN" altLang="en-US" dirty="0" smtClean="0"/>
@@ -4152,11 +4127,7 @@
           <a:p>
             <a:r>
               <a:rPr kumimoji="1" lang="en-US" altLang="zh-CN" dirty="0" smtClean="0"/>
-              <a:t>Affordable</a:t>
-            </a:r>
-            <a:r>
-              <a:rPr kumimoji="1" lang="en-US" altLang="zh-CN" dirty="0" smtClean="0"/>
-              <a:t> Cost!</a:t>
+              <a:t>Affordable Cost!</a:t>
             </a:r>
             <a:endParaRPr kumimoji="1" lang="zh-CN" altLang="en-US" dirty="0"/>
           </a:p>
@@ -4172,10 +4143,145 @@
   <p:clrMapOvr>
     <a:masterClrMapping/>
   </p:clrMapOvr>
+  <p:timing>
+    <p:tnLst>
+      <p:par>
+        <p:cTn xmlns:p14="http://schemas.microsoft.com/office/powerpoint/2010/main" id="1" dur="indefinite" restart="never" nodeType="tmRoot"/>
+      </p:par>
+    </p:tnLst>
+  </p:timing>
 </p:sld>
 </file>
 
 <file path=ppt/slides/slide5.xml><?xml version="1.0" encoding="utf-8"?>
+<p:sld xmlns:a="http://schemas.openxmlformats.org/drawingml/2006/main" xmlns:r="http://schemas.openxmlformats.org/officeDocument/2006/relationships" xmlns:p="http://schemas.openxmlformats.org/presentationml/2006/main">
+  <p:cSld>
+    <p:spTree>
+      <p:nvGrpSpPr>
+        <p:cNvPr id="1" name=""/>
+        <p:cNvGrpSpPr/>
+        <p:nvPr/>
+      </p:nvGrpSpPr>
+      <p:grpSpPr>
+        <a:xfrm>
+          <a:off x="0" y="0"/>
+          <a:ext cx="0" cy="0"/>
+          <a:chOff x="0" y="0"/>
+          <a:chExt cx="0" cy="0"/>
+        </a:xfrm>
+      </p:grpSpPr>
+      <p:sp>
+        <p:nvSpPr>
+          <p:cNvPr id="2" name="标题 1"/>
+          <p:cNvSpPr>
+            <a:spLocks noGrp="1"/>
+          </p:cNvSpPr>
+          <p:nvPr>
+            <p:ph type="title"/>
+          </p:nvPr>
+        </p:nvSpPr>
+        <p:spPr/>
+        <p:txBody>
+          <a:bodyPr/>
+          <a:lstStyle/>
+          <a:p>
+            <a:r>
+              <a:rPr kumimoji="1" lang="en-US" altLang="zh-CN" dirty="0" smtClean="0"/>
+              <a:t>Broadcast Memory Management</a:t>
+            </a:r>
+            <a:endParaRPr kumimoji="1" lang="zh-CN" altLang="en-US" dirty="0"/>
+          </a:p>
+        </p:txBody>
+      </p:sp>
+      <p:sp>
+        <p:nvSpPr>
+          <p:cNvPr id="7" name="内容占位符 6"/>
+          <p:cNvSpPr>
+            <a:spLocks noGrp="1"/>
+          </p:cNvSpPr>
+          <p:nvPr>
+            <p:ph idx="1"/>
+          </p:nvPr>
+        </p:nvSpPr>
+        <p:spPr/>
+        <p:txBody>
+          <a:bodyPr/>
+          <a:lstStyle/>
+          <a:p>
+            <a:r>
+              <a:rPr kumimoji="1" lang="en-US" altLang="zh-CN" dirty="0" smtClean="0"/>
+              <a:t>TLB-like Memory Management</a:t>
+            </a:r>
+          </a:p>
+          <a:p>
+            <a:pPr lvl="1"/>
+            <a:r>
+              <a:rPr kumimoji="1" lang="en-US" altLang="zh-CN" dirty="0" smtClean="0"/>
+              <a:t>64bit data + PID tag</a:t>
+            </a:r>
+          </a:p>
+          <a:p>
+            <a:pPr lvl="1"/>
+            <a:r>
+              <a:rPr kumimoji="1" lang="en-US" altLang="zh-CN" dirty="0" smtClean="0"/>
+              <a:t>Virtual address translation</a:t>
+            </a:r>
+          </a:p>
+          <a:p>
+            <a:pPr lvl="1"/>
+            <a:r>
+              <a:rPr kumimoji="1" lang="en-US" altLang="zh-CN" dirty="0" smtClean="0"/>
+              <a:t>4*4KB page</a:t>
+            </a:r>
+            <a:endParaRPr kumimoji="1" lang="zh-CN" altLang="en-US" dirty="0"/>
+          </a:p>
+        </p:txBody>
+      </p:sp>
+      <p:pic>
+        <p:nvPicPr>
+          <p:cNvPr id="8" name="图片 7"/>
+          <p:cNvPicPr>
+            <a:picLocks noChangeAspect="1"/>
+          </p:cNvPicPr>
+          <p:nvPr/>
+        </p:nvPicPr>
+        <p:blipFill>
+          <a:blip r:embed="rId2"/>
+          <a:stretch>
+            <a:fillRect/>
+          </a:stretch>
+        </p:blipFill>
+        <p:spPr>
+          <a:xfrm>
+            <a:off x="2984500" y="3517900"/>
+            <a:ext cx="6159500" cy="3340100"/>
+          </a:xfrm>
+          <a:prstGeom prst="rect">
+            <a:avLst/>
+          </a:prstGeom>
+        </p:spPr>
+      </p:pic>
+    </p:spTree>
+    <p:extLst>
+      <p:ext uri="{BB962C8B-B14F-4D97-AF65-F5344CB8AC3E}">
+        <p14:creationId xmlns:p14="http://schemas.microsoft.com/office/powerpoint/2010/main" val="3946140190"/>
+      </p:ext>
+    </p:extLst>
+  </p:cSld>
+  <p:clrMapOvr>
+    <a:masterClrMapping/>
+  </p:clrMapOvr>
+  <p:timing>
+    <p:tnLst>
+      <p:par>
+        <p:cTn xmlns:p14="http://schemas.microsoft.com/office/powerpoint/2010/main" id="1" dur="indefinite" restart="never" nodeType="tmRoot"/>
+      </p:par>
+    </p:tnLst>
+  </p:timing>
+</p:sld>
+</file>
+
+<file path=ppt/slides/slide6.xml><?xml version="1.0" encoding="utf-8"?>
 <p:sld xmlns:a="http://schemas.openxmlformats.org/drawingml/2006/main" xmlns:r="http://schemas.openxmlformats.org/officeDocument/2006/relationships" xmlns:p="http://schemas.openxmlformats.org/presentationml/2006/main">
   <p:cSld>
     <p:spTree>
@@ -4354,127 +4460,13 @@
   <p:clrMapOvr>
     <a:masterClrMapping/>
   </p:clrMapOvr>
-</p:sld>
-</file>
-
-<file path=ppt/slides/slide6.xml><?xml version="1.0" encoding="utf-8"?>
-<p:sld xmlns:a="http://schemas.openxmlformats.org/drawingml/2006/main" xmlns:r="http://schemas.openxmlformats.org/officeDocument/2006/relationships" xmlns:p="http://schemas.openxmlformats.org/presentationml/2006/main">
-  <p:cSld>
-    <p:spTree>
-      <p:nvGrpSpPr>
-        <p:cNvPr id="1" name=""/>
-        <p:cNvGrpSpPr/>
-        <p:nvPr/>
-      </p:nvGrpSpPr>
-      <p:grpSpPr>
-        <a:xfrm>
-          <a:off x="0" y="0"/>
-          <a:ext cx="0" cy="0"/>
-          <a:chOff x="0" y="0"/>
-          <a:chExt cx="0" cy="0"/>
-        </a:xfrm>
-      </p:grpSpPr>
-      <p:sp>
-        <p:nvSpPr>
-          <p:cNvPr id="2" name="标题 1"/>
-          <p:cNvSpPr>
-            <a:spLocks noGrp="1"/>
-          </p:cNvSpPr>
-          <p:nvPr>
-            <p:ph type="title"/>
-          </p:nvPr>
-        </p:nvSpPr>
-        <p:spPr/>
-        <p:txBody>
-          <a:bodyPr/>
-          <a:lstStyle/>
-          <a:p>
-            <a:r>
-              <a:rPr kumimoji="1" lang="en-US" altLang="zh-CN" dirty="0" smtClean="0"/>
-              <a:t>Broadcast Memory Management</a:t>
-            </a:r>
-            <a:endParaRPr kumimoji="1" lang="zh-CN" altLang="en-US" dirty="0"/>
-          </a:p>
-        </p:txBody>
-      </p:sp>
-      <p:sp>
-        <p:nvSpPr>
-          <p:cNvPr id="7" name="内容占位符 6"/>
-          <p:cNvSpPr>
-            <a:spLocks noGrp="1"/>
-          </p:cNvSpPr>
-          <p:nvPr>
-            <p:ph idx="1"/>
-          </p:nvPr>
-        </p:nvSpPr>
-        <p:spPr/>
-        <p:txBody>
-          <a:bodyPr/>
-          <a:lstStyle/>
-          <a:p>
-            <a:r>
-              <a:rPr kumimoji="1" lang="en-US" altLang="zh-CN" dirty="0" smtClean="0"/>
-              <a:t>TLB-like Memory Management</a:t>
-            </a:r>
-          </a:p>
-          <a:p>
-            <a:pPr lvl="1"/>
-            <a:r>
-              <a:rPr kumimoji="1" lang="en-US" altLang="zh-CN" dirty="0" smtClean="0"/>
-              <a:t>64bit data + PID tag</a:t>
-            </a:r>
-          </a:p>
-          <a:p>
-            <a:pPr lvl="1"/>
-            <a:r>
-              <a:rPr kumimoji="1" lang="en-US" altLang="zh-CN" dirty="0" smtClean="0"/>
-              <a:t>Virtual address translation</a:t>
-            </a:r>
-          </a:p>
-          <a:p>
-            <a:pPr lvl="1"/>
-            <a:r>
-              <a:rPr kumimoji="1" lang="en-US" altLang="zh-CN" dirty="0" smtClean="0"/>
-              <a:t>4*4KB page</a:t>
-            </a:r>
-            <a:endParaRPr kumimoji="1" lang="zh-CN" altLang="en-US" dirty="0"/>
-          </a:p>
-        </p:txBody>
-      </p:sp>
-      <p:pic>
-        <p:nvPicPr>
-          <p:cNvPr id="8" name="图片 7"/>
-          <p:cNvPicPr>
-            <a:picLocks noChangeAspect="1"/>
-          </p:cNvPicPr>
-          <p:nvPr/>
-        </p:nvPicPr>
-        <p:blipFill>
-          <a:blip r:embed="rId2"/>
-          <a:stretch>
-            <a:fillRect/>
-          </a:stretch>
-        </p:blipFill>
-        <p:spPr>
-          <a:xfrm>
-            <a:off x="2984500" y="3517900"/>
-            <a:ext cx="6159500" cy="3340100"/>
-          </a:xfrm>
-          <a:prstGeom prst="rect">
-            <a:avLst/>
-          </a:prstGeom>
-        </p:spPr>
-      </p:pic>
-    </p:spTree>
-    <p:extLst>
-      <p:ext uri="{BB962C8B-B14F-4D97-AF65-F5344CB8AC3E}">
-        <p14:creationId xmlns:p14="http://schemas.microsoft.com/office/powerpoint/2010/main" val="3046898047"/>
-      </p:ext>
-    </p:extLst>
-  </p:cSld>
-  <p:clrMapOvr>
-    <a:masterClrMapping/>
-  </p:clrMapOvr>
+  <p:timing>
+    <p:tnLst>
+      <p:par>
+        <p:cTn xmlns:p14="http://schemas.microsoft.com/office/powerpoint/2010/main" id="1" dur="indefinite" restart="never" nodeType="tmRoot"/>
+      </p:par>
+    </p:tnLst>
+  </p:timing>
 </p:sld>
 </file>
 
@@ -4745,6 +4737,13 @@
   <p:clrMapOvr>
     <a:masterClrMapping/>
   </p:clrMapOvr>
+  <p:timing>
+    <p:tnLst>
+      <p:par>
+        <p:cTn xmlns:p14="http://schemas.microsoft.com/office/powerpoint/2010/main" id="1" dur="indefinite" restart="never" nodeType="tmRoot"/>
+      </p:par>
+    </p:tnLst>
+  </p:timing>
 </p:sld>
 </file>
 
@@ -4927,6 +4926,13 @@
   <p:clrMapOvr>
     <a:masterClrMapping/>
   </p:clrMapOvr>
+  <p:timing>
+    <p:tnLst>
+      <p:par>
+        <p:cTn xmlns:p14="http://schemas.microsoft.com/office/powerpoint/2010/main" id="1" dur="indefinite" restart="never" nodeType="tmRoot"/>
+      </p:par>
+    </p:tnLst>
+  </p:timing>
 </p:sld>
 </file>
 
